--- a/TEXT EDITOR.pptx
+++ b/TEXT EDITOR.pptx
@@ -380,7 +380,7 @@
             <a:fld id="{B61BEF0D-F0BB-DE4B-95CE-6DB70DBA9567}" type="datetimeFigureOut">
               <a:rPr lang="en-US" dirty="0"/>
               <a:pPr/>
-              <a:t>12/22/2018</a:t>
+              <a:t>8/22/2020</a:t>
             </a:fld>
             <a:endParaRPr lang="en-US" dirty="0"/>
           </a:p>
@@ -639,7 +639,7 @@
             <a:fld id="{B61BEF0D-F0BB-DE4B-95CE-6DB70DBA9567}" type="datetimeFigureOut">
               <a:rPr lang="en-US" dirty="0"/>
               <a:pPr/>
-              <a:t>12/22/2018</a:t>
+              <a:t>8/22/2020</a:t>
             </a:fld>
             <a:endParaRPr lang="en-US" dirty="0"/>
           </a:p>
@@ -871,7 +871,7 @@
             <a:fld id="{B61BEF0D-F0BB-DE4B-95CE-6DB70DBA9567}" type="datetimeFigureOut">
               <a:rPr lang="en-US" dirty="0"/>
               <a:pPr/>
-              <a:t>12/22/2018</a:t>
+              <a:t>8/22/2020</a:t>
             </a:fld>
             <a:endParaRPr lang="en-US" dirty="0"/>
           </a:p>
@@ -1108,7 +1108,7 @@
             <a:fld id="{B61BEF0D-F0BB-DE4B-95CE-6DB70DBA9567}" type="datetimeFigureOut">
               <a:rPr lang="en-US" dirty="0"/>
               <a:pPr/>
-              <a:t>12/22/2018</a:t>
+              <a:t>8/22/2020</a:t>
             </a:fld>
             <a:endParaRPr lang="en-US" dirty="0"/>
           </a:p>
@@ -1412,7 +1412,7 @@
             <a:fld id="{B61BEF0D-F0BB-DE4B-95CE-6DB70DBA9567}" type="datetimeFigureOut">
               <a:rPr lang="en-US" dirty="0"/>
               <a:pPr/>
-              <a:t>12/22/2018</a:t>
+              <a:t>8/22/2020</a:t>
             </a:fld>
             <a:endParaRPr lang="en-US" dirty="0"/>
           </a:p>
@@ -1711,7 +1711,7 @@
             <a:fld id="{B61BEF0D-F0BB-DE4B-95CE-6DB70DBA9567}" type="datetimeFigureOut">
               <a:rPr lang="en-US" dirty="0"/>
               <a:pPr/>
-              <a:t>12/22/2018</a:t>
+              <a:t>8/22/2020</a:t>
             </a:fld>
             <a:endParaRPr lang="en-US" dirty="0"/>
           </a:p>
@@ -2130,7 +2130,7 @@
             <a:fld id="{B61BEF0D-F0BB-DE4B-95CE-6DB70DBA9567}" type="datetimeFigureOut">
               <a:rPr lang="en-US" dirty="0"/>
               <a:pPr/>
-              <a:t>12/22/2018</a:t>
+              <a:t>8/22/2020</a:t>
             </a:fld>
             <a:endParaRPr lang="en-US" dirty="0"/>
           </a:p>
@@ -2222,7 +2222,7 @@
             <a:fld id="{B61BEF0D-F0BB-DE4B-95CE-6DB70DBA9567}" type="datetimeFigureOut">
               <a:rPr lang="en-US" dirty="0"/>
               <a:pPr/>
-              <a:t>12/22/2018</a:t>
+              <a:t>8/22/2020</a:t>
             </a:fld>
             <a:endParaRPr lang="en-US" dirty="0"/>
           </a:p>
@@ -2381,7 +2381,7 @@
             <a:fld id="{B61BEF0D-F0BB-DE4B-95CE-6DB70DBA9567}" type="datetimeFigureOut">
               <a:rPr lang="en-US" dirty="0"/>
               <a:pPr/>
-              <a:t>12/22/2018</a:t>
+              <a:t>8/22/2020</a:t>
             </a:fld>
             <a:endParaRPr lang="en-US" dirty="0"/>
           </a:p>
@@ -2756,7 +2756,7 @@
             <a:fld id="{B61BEF0D-F0BB-DE4B-95CE-6DB70DBA9567}" type="datetimeFigureOut">
               <a:rPr lang="en-US" dirty="0"/>
               <a:pPr/>
-              <a:t>12/22/2018</a:t>
+              <a:t>8/22/2020</a:t>
             </a:fld>
             <a:endParaRPr lang="en-US" dirty="0"/>
           </a:p>
@@ -3042,7 +3042,7 @@
             <a:fld id="{B61BEF0D-F0BB-DE4B-95CE-6DB70DBA9567}" type="datetimeFigureOut">
               <a:rPr lang="en-US" dirty="0"/>
               <a:pPr/>
-              <a:t>12/22/2018</a:t>
+              <a:t>8/22/2020</a:t>
             </a:fld>
             <a:endParaRPr lang="en-US" dirty="0"/>
           </a:p>
@@ -3250,7 +3250,7 @@
             <a:fld id="{B61BEF0D-F0BB-DE4B-95CE-6DB70DBA9567}" type="datetimeFigureOut">
               <a:rPr lang="en-US" dirty="0"/>
               <a:pPr/>
-              <a:t>12/22/2018</a:t>
+              <a:t>8/22/2020</a:t>
             </a:fld>
             <a:endParaRPr lang="en-US" dirty="0"/>
           </a:p>
@@ -4397,49 +4397,27 @@
               <a:buNone/>
             </a:pPr>
             <a:r>
-              <a:rPr lang="en-US" sz="4400" dirty="0"/>
-              <a:t>Ganesh </a:t>
-            </a:r>
-            <a:r>
-              <a:rPr lang="en-US" sz="4400" dirty="0" err="1"/>
-              <a:t>Lokhande</a:t>
-            </a:r>
-            <a:r>
-              <a:rPr lang="en-US" sz="4400" dirty="0"/>
-              <a:t> </a:t>
-            </a:r>
+              <a:rPr lang="en-US" sz="4400"/>
+              <a:t>Ishita Karna</a:t>
+            </a:r>
+            <a:endParaRPr lang="en-US" sz="4400" dirty="0"/>
           </a:p>
           <a:p>
             <a:pPr marL="0" indent="0" algn="ctr">
               <a:buNone/>
             </a:pPr>
             <a:r>
+              <a:rPr lang="en-US" sz="4400" dirty="0"/>
+              <a:t>Ganesh </a:t>
+            </a:r>
+            <a:r>
               <a:rPr lang="en-US" sz="4400" dirty="0" err="1"/>
-              <a:t>Prathamesh</a:t>
+              <a:t>Lokhande</a:t>
             </a:r>
             <a:r>
               <a:rPr lang="en-US" sz="4400" dirty="0"/>
               <a:t> </a:t>
             </a:r>
-            <a:r>
-              <a:rPr lang="en-US" sz="4400" dirty="0" err="1"/>
-              <a:t>Shete</a:t>
-            </a:r>
-            <a:endParaRPr lang="en-US" sz="4400" dirty="0"/>
-          </a:p>
-          <a:p>
-            <a:pPr marL="0" indent="0" algn="ctr">
-              <a:buNone/>
-            </a:pPr>
-            <a:r>
-              <a:rPr lang="en-US" sz="4400" dirty="0"/>
-              <a:t>Siddharth </a:t>
-            </a:r>
-            <a:r>
-              <a:rPr lang="en-US" sz="4400" dirty="0" err="1"/>
-              <a:t>Juikar</a:t>
-            </a:r>
-            <a:endParaRPr lang="en-US" sz="4400" dirty="0"/>
           </a:p>
         </p:txBody>
       </p:sp>

--- a/TEXT EDITOR.pptx
+++ b/TEXT EDITOR.pptx
@@ -16,7 +16,6 @@
     <p:sldId id="264" r:id="rId10"/>
     <p:sldId id="265" r:id="rId11"/>
     <p:sldId id="266" r:id="rId12"/>
-    <p:sldId id="267" r:id="rId13"/>
   </p:sldIdLst>
   <p:sldSz cx="12192000" cy="6858000"/>
   <p:notesSz cx="6858000" cy="9144000"/>
@@ -4303,128 +4302,6 @@
     <p:extLst>
       <p:ext uri="{BB962C8B-B14F-4D97-AF65-F5344CB8AC3E}">
         <p14:creationId xmlns:p14="http://schemas.microsoft.com/office/powerpoint/2010/main" val="367977232"/>
-      </p:ext>
-    </p:extLst>
-  </p:cSld>
-  <p:clrMapOvr>
-    <a:masterClrMapping/>
-  </p:clrMapOvr>
-</p:sld>
-</file>
-
-<file path=ppt/slides/slide12.xml><?xml version="1.0" encoding="utf-8"?>
-<p:sld xmlns:a="http://schemas.openxmlformats.org/drawingml/2006/main" xmlns:r="http://schemas.openxmlformats.org/officeDocument/2006/relationships" xmlns:p="http://schemas.openxmlformats.org/presentationml/2006/main">
-  <p:cSld>
-    <p:spTree>
-      <p:nvGrpSpPr>
-        <p:cNvPr id="1" name=""/>
-        <p:cNvGrpSpPr/>
-        <p:nvPr/>
-      </p:nvGrpSpPr>
-      <p:grpSpPr>
-        <a:xfrm>
-          <a:off x="0" y="0"/>
-          <a:ext cx="0" cy="0"/>
-          <a:chOff x="0" y="0"/>
-          <a:chExt cx="0" cy="0"/>
-        </a:xfrm>
-      </p:grpSpPr>
-      <p:sp>
-        <p:nvSpPr>
-          <p:cNvPr id="2" name="Title 1">
-            <a:extLst>
-              <a:ext uri="{FF2B5EF4-FFF2-40B4-BE49-F238E27FC236}">
-                <a16:creationId xmlns:a16="http://schemas.microsoft.com/office/drawing/2014/main" id="{05491D24-2DE0-4FEE-9C2B-3844AC895FB8}"/>
-              </a:ext>
-            </a:extLst>
-          </p:cNvPr>
-          <p:cNvSpPr>
-            <a:spLocks noGrp="1"/>
-          </p:cNvSpPr>
-          <p:nvPr>
-            <p:ph type="title"/>
-          </p:nvPr>
-        </p:nvSpPr>
-        <p:spPr/>
-        <p:txBody>
-          <a:bodyPr>
-            <a:normAutofit/>
-          </a:bodyPr>
-          <a:lstStyle/>
-          <a:p>
-            <a:pPr algn="ctr"/>
-            <a:r>
-              <a:rPr lang="en-US" sz="4000" dirty="0"/>
-              <a:t>Thank you </a:t>
-            </a:r>
-            <a:endParaRPr lang="en-IN" sz="4000" dirty="0"/>
-          </a:p>
-        </p:txBody>
-      </p:sp>
-      <p:sp>
-        <p:nvSpPr>
-          <p:cNvPr id="3" name="Content Placeholder 2">
-            <a:extLst>
-              <a:ext uri="{FF2B5EF4-FFF2-40B4-BE49-F238E27FC236}">
-                <a16:creationId xmlns:a16="http://schemas.microsoft.com/office/drawing/2014/main" id="{D1FA6EE5-4BD9-481C-87B8-4B56AD9CEBB8}"/>
-              </a:ext>
-            </a:extLst>
-          </p:cNvPr>
-          <p:cNvSpPr>
-            <a:spLocks noGrp="1"/>
-          </p:cNvSpPr>
-          <p:nvPr>
-            <p:ph idx="1"/>
-          </p:nvPr>
-        </p:nvSpPr>
-        <p:spPr/>
-        <p:txBody>
-          <a:bodyPr>
-            <a:normAutofit/>
-          </a:bodyPr>
-          <a:lstStyle/>
-          <a:p>
-            <a:pPr marL="0" indent="0" algn="ctr">
-              <a:buNone/>
-            </a:pPr>
-            <a:r>
-              <a:rPr lang="en-US" sz="4400" dirty="0"/>
-              <a:t>Kohinoor Chatterjee</a:t>
-            </a:r>
-          </a:p>
-          <a:p>
-            <a:pPr marL="0" indent="0" algn="ctr">
-              <a:buNone/>
-            </a:pPr>
-            <a:r>
-              <a:rPr lang="en-US" sz="4400"/>
-              <a:t>Ishita Karna</a:t>
-            </a:r>
-            <a:endParaRPr lang="en-US" sz="4400" dirty="0"/>
-          </a:p>
-          <a:p>
-            <a:pPr marL="0" indent="0" algn="ctr">
-              <a:buNone/>
-            </a:pPr>
-            <a:r>
-              <a:rPr lang="en-US" sz="4400" dirty="0"/>
-              <a:t>Ganesh </a:t>
-            </a:r>
-            <a:r>
-              <a:rPr lang="en-US" sz="4400" dirty="0" err="1"/>
-              <a:t>Lokhande</a:t>
-            </a:r>
-            <a:r>
-              <a:rPr lang="en-US" sz="4400" dirty="0"/>
-              <a:t> </a:t>
-            </a:r>
-          </a:p>
-        </p:txBody>
-      </p:sp>
-    </p:spTree>
-    <p:extLst>
-      <p:ext uri="{BB962C8B-B14F-4D97-AF65-F5344CB8AC3E}">
-        <p14:creationId xmlns:p14="http://schemas.microsoft.com/office/powerpoint/2010/main" val="2666610057"/>
       </p:ext>
     </p:extLst>
   </p:cSld>
